--- a/Slides_MICRO55/4.vortex_software_stack.pptx
+++ b/Slides_MICRO55/4.vortex_software_stack.pptx
@@ -157,6 +157,7 @@
 <file path=ppt/revisionInfo.xml><?xml version="1.0" encoding="utf-8"?>
 <p1510:revInfo xmlns:a="http://schemas.openxmlformats.org/drawingml/2006/main" xmlns:r="http://schemas.openxmlformats.org/officeDocument/2006/relationships" xmlns:p1510="http://schemas.microsoft.com/office/powerpoint/2015/10/main">
   <p1510:revLst>
+    <p1510:client id="{16FC5150-F5F6-4882-B5A6-6B3827F12746}" v="2" dt="2022-10-01T13:19:15.880"/>
     <p1510:client id="{33AC8359-CF17-4B0D-842B-4B8E07737A0F}" v="11" dt="2022-09-30T23:27:39.128"/>
     <p1510:client id="{5A6FCDCF-637F-AC8E-849C-7ECE031C1867}" v="27" dt="2021-10-17T19:26:49.811"/>
     <p1510:client id="{AEE10BBB-81CC-47E5-914F-723E291A9FF1}" v="5" dt="2022-09-30T17:16:29.086"/>
@@ -423,6 +424,22 @@
     </pc:docChg>
   </pc:docChgLst>
   <pc:docChgLst>
+    <pc:chgData name="Han, Ruobing" userId="S::rhan38@gatech.edu::858265e6-a634-4d42-937c-9657ee47814c" providerId="AD" clId="Web-{16FC5150-F5F6-4882-B5A6-6B3827F12746}"/>
+    <pc:docChg chg="sldOrd">
+      <pc:chgData name="Han, Ruobing" userId="S::rhan38@gatech.edu::858265e6-a634-4d42-937c-9657ee47814c" providerId="AD" clId="Web-{16FC5150-F5F6-4882-B5A6-6B3827F12746}" dt="2022-10-01T13:19:15.880" v="1"/>
+      <pc:docMkLst>
+        <pc:docMk/>
+      </pc:docMkLst>
+      <pc:sldChg chg="ord">
+        <pc:chgData name="Han, Ruobing" userId="S::rhan38@gatech.edu::858265e6-a634-4d42-937c-9657ee47814c" providerId="AD" clId="Web-{16FC5150-F5F6-4882-B5A6-6B3827F12746}" dt="2022-10-01T13:19:15.880" v="1"/>
+        <pc:sldMkLst>
+          <pc:docMk/>
+          <pc:sldMk cId="2522448423" sldId="384"/>
+        </pc:sldMkLst>
+      </pc:sldChg>
+    </pc:docChg>
+  </pc:docChgLst>
+  <pc:docChgLst>
     <pc:chgData name="Han, Ruobing" userId="S::rhan38@gatech.edu::858265e6-a634-4d42-937c-9657ee47814c" providerId="AD" clId="Web-{33AC8359-CF17-4B0D-842B-4B8E07737A0F}"/>
     <pc:docChg chg="modSld">
       <pc:chgData name="Han, Ruobing" userId="S::rhan38@gatech.edu::858265e6-a634-4d42-937c-9657ee47814c" providerId="AD" clId="Web-{33AC8359-CF17-4B0D-842B-4B8E07737A0F}" dt="2022-09-30T23:27:39.128" v="10" actId="1076"/>
@@ -546,7 +563,7 @@
           <a:p>
             <a:fld id="{56EEABB0-08C8-0B46-AE0A-F1546C4A3D26}" type="datetimeFigureOut">
               <a:rPr lang="en-US" smtClean="0"/>
-              <a:t>9/30/2022</a:t>
+              <a:t>10/1/2022</a:t>
             </a:fld>
             <a:endParaRPr lang="en-US"/>
           </a:p>
@@ -12210,7 +12227,7 @@
                 </a:solidFill>
               </a:rPr>
               <a:pPr/>
-              <a:t>11</a:t>
+              <a:t>12</a:t>
             </a:fld>
             <a:endParaRPr lang="en-US">
               <a:solidFill>
@@ -12708,7 +12725,7 @@
                 </a:solidFill>
               </a:rPr>
               <a:pPr/>
-              <a:t>12</a:t>
+              <a:t>11</a:t>
             </a:fld>
             <a:endParaRPr lang="en-US">
               <a:solidFill>
@@ -25005,6 +25022,17 @@
 </file>
 
 <file path=customXml/item1.xml><?xml version="1.0" encoding="utf-8"?>
+<p:properties xmlns:p="http://schemas.microsoft.com/office/2006/metadata/properties" xmlns:xsi="http://www.w3.org/2001/XMLSchema-instance" xmlns:pc="http://schemas.microsoft.com/office/infopath/2007/PartnerControls">
+  <documentManagement>
+    <TaxCatchAll xmlns="703aaed8-5f35-4ebd-8684-7d64e521d80b" xsi:nil="true"/>
+    <lcf76f155ced4ddcb4097134ff3c332f xmlns="f01fee57-14a4-4fb3-a7a7-17af854556b0">
+      <Terms xmlns="http://schemas.microsoft.com/office/infopath/2007/PartnerControls"/>
+    </lcf76f155ced4ddcb4097134ff3c332f>
+  </documentManagement>
+</p:properties>
+</file>
+
+<file path=customXml/item2.xml><?xml version="1.0" encoding="utf-8"?>
 <ct:contentTypeSchema xmlns:ct="http://schemas.microsoft.com/office/2006/metadata/contentType" xmlns:ma="http://schemas.microsoft.com/office/2006/metadata/properties/metaAttributes" ct:_="" ma:_="" ma:contentTypeName="Document" ma:contentTypeID="0x010100AAFB5C5C43C8E84ABE433E05E59A4B5B" ma:contentTypeVersion="16" ma:contentTypeDescription="Create a new document." ma:contentTypeScope="" ma:versionID="6b8a0fa360fb8d3f571bc110c37013b7">
   <xsd:schema xmlns:xsd="http://www.w3.org/2001/XMLSchema" xmlns:xs="http://www.w3.org/2001/XMLSchema" xmlns:p="http://schemas.microsoft.com/office/2006/metadata/properties" xmlns:ns2="f01fee57-14a4-4fb3-a7a7-17af854556b0" xmlns:ns3="703aaed8-5f35-4ebd-8684-7d64e521d80b" targetNamespace="http://schemas.microsoft.com/office/2006/metadata/properties" ma:root="true" ma:fieldsID="5b022065d69465c928b5cf201fd4a313" ns2:_="" ns3:_="">
     <xsd:import namespace="f01fee57-14a4-4fb3-a7a7-17af854556b0"/>
@@ -25247,17 +25275,6 @@
 </ct:contentTypeSchema>
 </file>
 
-<file path=customXml/item2.xml><?xml version="1.0" encoding="utf-8"?>
-<p:properties xmlns:p="http://schemas.microsoft.com/office/2006/metadata/properties" xmlns:xsi="http://www.w3.org/2001/XMLSchema-instance" xmlns:pc="http://schemas.microsoft.com/office/infopath/2007/PartnerControls">
-  <documentManagement>
-    <TaxCatchAll xmlns="703aaed8-5f35-4ebd-8684-7d64e521d80b" xsi:nil="true"/>
-    <lcf76f155ced4ddcb4097134ff3c332f xmlns="f01fee57-14a4-4fb3-a7a7-17af854556b0">
-      <Terms xmlns="http://schemas.microsoft.com/office/infopath/2007/PartnerControls"/>
-    </lcf76f155ced4ddcb4097134ff3c332f>
-  </documentManagement>
-</p:properties>
-</file>
-
 <file path=customXml/item3.xml><?xml version="1.0" encoding="utf-8"?>
 <?mso-contentType ?>
 <FormTemplates xmlns="http://schemas.microsoft.com/sharepoint/v3/contenttype/forms">
@@ -25268,6 +25285,17 @@
 </file>
 
 <file path=customXml/itemProps1.xml><?xml version="1.0" encoding="utf-8"?>
+<ds:datastoreItem xmlns:ds="http://schemas.openxmlformats.org/officeDocument/2006/customXml" ds:itemID="{55A2920C-9354-4A5A-A608-33052DA58C8F}">
+  <ds:schemaRefs>
+    <ds:schemaRef ds:uri="703aaed8-5f35-4ebd-8684-7d64e521d80b"/>
+    <ds:schemaRef ds:uri="f01fee57-14a4-4fb3-a7a7-17af854556b0"/>
+    <ds:schemaRef ds:uri="http://schemas.microsoft.com/office/2006/metadata/properties"/>
+    <ds:schemaRef ds:uri="http://schemas.microsoft.com/office/infopath/2007/PartnerControls"/>
+  </ds:schemaRefs>
+</ds:datastoreItem>
+</file>
+
+<file path=customXml/itemProps2.xml><?xml version="1.0" encoding="utf-8"?>
 <ds:datastoreItem xmlns:ds="http://schemas.openxmlformats.org/officeDocument/2006/customXml" ds:itemID="{8065CF3D-D642-4458-BCEA-22AB721DC82B}">
   <ds:schemaRefs>
     <ds:schemaRef ds:uri="703aaed8-5f35-4ebd-8684-7d64e521d80b"/>
@@ -25286,17 +25314,6 @@
 </ds:datastoreItem>
 </file>
 
-<file path=customXml/itemProps2.xml><?xml version="1.0" encoding="utf-8"?>
-<ds:datastoreItem xmlns:ds="http://schemas.openxmlformats.org/officeDocument/2006/customXml" ds:itemID="{55A2920C-9354-4A5A-A608-33052DA58C8F}">
-  <ds:schemaRefs>
-    <ds:schemaRef ds:uri="703aaed8-5f35-4ebd-8684-7d64e521d80b"/>
-    <ds:schemaRef ds:uri="f01fee57-14a4-4fb3-a7a7-17af854556b0"/>
-    <ds:schemaRef ds:uri="http://schemas.microsoft.com/office/2006/metadata/properties"/>
-    <ds:schemaRef ds:uri="http://schemas.microsoft.com/office/infopath/2007/PartnerControls"/>
-  </ds:schemaRefs>
-</ds:datastoreItem>
-</file>
-
 <file path=customXml/itemProps3.xml><?xml version="1.0" encoding="utf-8"?>
 <ds:datastoreItem xmlns:ds="http://schemas.openxmlformats.org/officeDocument/2006/customXml" ds:itemID="{E97B68AE-62AC-4C9A-92B2-7C84703E2952}">
   <ds:schemaRefs>
